--- a/thoendel-value-stream-mapping.pptx
+++ b/thoendel-value-stream-mapping.pptx
@@ -7126,6 +7126,47 @@
               <a:rPr lang="en-US"/>
               <a:t>the process (over 4 minis).</a:t>
             </a:r>
+            <a:endParaRPr lang="en-US" dirty="0"/>
+          </a:p>
+        </p:txBody>
+      </p:sp>
+      <p:sp>
+        <p:nvSpPr>
+          <p:cNvPr id="2" name="TextBox 1">
+            <a:extLst>
+              <a:ext uri="{FF2B5EF4-FFF2-40B4-BE49-F238E27FC236}">
+                <a16:creationId xmlns:a16="http://schemas.microsoft.com/office/drawing/2014/main" id="{33866EF8-D9A0-3C6D-3BB1-C9FE4BBEAF8B}"/>
+              </a:ext>
+            </a:extLst>
+          </p:cNvPr>
+          <p:cNvSpPr txBox="1"/>
+          <p:nvPr/>
+        </p:nvSpPr>
+        <p:spPr>
+          <a:xfrm>
+            <a:off x="586852" y="5475533"/>
+            <a:ext cx="5302157" cy="646331"/>
+          </a:xfrm>
+          <a:prstGeom prst="rect">
+            <a:avLst/>
+          </a:prstGeom>
+          <a:noFill/>
+        </p:spPr>
+        <p:txBody>
+          <a:bodyPr wrap="square" rtlCol="0">
+            <a:spAutoFit/>
+          </a:bodyPr>
+          <a:lstStyle/>
+          <a:p>
+            <a:r>
+              <a:rPr lang="en-US" dirty="0">
+                <a:hlinkClick r:id="rId2"/>
+              </a:rPr>
+              <a:t>https://github.com/phillip-bellevueU/csd-380</a:t>
+            </a:r>
+            <a:endParaRPr lang="en-US" dirty="0"/>
+          </a:p>
+          <a:p>
             <a:endParaRPr lang="en-US" dirty="0"/>
           </a:p>
         </p:txBody>
